--- a/cpp/slides/session10/SOLID Principles of OOD v2.pptx
+++ b/cpp/slides/session10/SOLID Principles of OOD v2.pptx
@@ -5,7 +5,7 @@
     <p:sldMasterId id="2147483648" r:id="rId1"/>
   </p:sldMasterIdLst>
   <p:notesMasterIdLst>
-    <p:notesMasterId r:id="rId91"/>
+    <p:notesMasterId r:id="rId84"/>
   </p:notesMasterIdLst>
   <p:sldIdLst>
     <p:sldId id="256" r:id="rId2"/>
@@ -80,23 +80,16 @@
     <p:sldId id="351" r:id="rId71"/>
     <p:sldId id="352" r:id="rId72"/>
     <p:sldId id="319" r:id="rId73"/>
-    <p:sldId id="362" r:id="rId74"/>
-    <p:sldId id="340" r:id="rId75"/>
-    <p:sldId id="339" r:id="rId76"/>
-    <p:sldId id="341" r:id="rId77"/>
-    <p:sldId id="342" r:id="rId78"/>
-    <p:sldId id="337" r:id="rId79"/>
-    <p:sldId id="311" r:id="rId80"/>
-    <p:sldId id="288" r:id="rId81"/>
-    <p:sldId id="301" r:id="rId82"/>
-    <p:sldId id="295" r:id="rId83"/>
-    <p:sldId id="303" r:id="rId84"/>
-    <p:sldId id="302" r:id="rId85"/>
-    <p:sldId id="304" r:id="rId86"/>
-    <p:sldId id="330" r:id="rId87"/>
-    <p:sldId id="276" r:id="rId88"/>
-    <p:sldId id="326" r:id="rId89"/>
-    <p:sldId id="324" r:id="rId90"/>
+    <p:sldId id="288" r:id="rId74"/>
+    <p:sldId id="311" r:id="rId75"/>
+    <p:sldId id="301" r:id="rId76"/>
+    <p:sldId id="295" r:id="rId77"/>
+    <p:sldId id="303" r:id="rId78"/>
+    <p:sldId id="302" r:id="rId79"/>
+    <p:sldId id="304" r:id="rId80"/>
+    <p:sldId id="330" r:id="rId81"/>
+    <p:sldId id="276" r:id="rId82"/>
+    <p:sldId id="324" r:id="rId83"/>
   </p:sldIdLst>
   <p:sldSz cx="9144000" cy="6858000" type="screen4x3"/>
   <p:notesSz cx="6858000" cy="9144000"/>
@@ -297,7 +290,7 @@
             <a:fld id="{3EE9C784-6AE7-4DE7-B637-A04C32984173}" type="datetimeFigureOut">
               <a:rPr lang="en-US" smtClean="0"/>
               <a:pPr/>
-              <a:t>6/25/2022</a:t>
+              <a:t>7/2/2022</a:t>
             </a:fld>
             <a:endParaRPr lang="en-US"/>
           </a:p>
@@ -916,7 +909,7 @@
             <a:fld id="{FE753EDB-7AB4-42D9-B376-B6135C20C788}" type="datetimeFigureOut">
               <a:rPr lang="en-US" smtClean="0"/>
               <a:pPr/>
-              <a:t>6/25/2022</a:t>
+              <a:t>7/2/2022</a:t>
             </a:fld>
             <a:endParaRPr lang="en-US"/>
           </a:p>
@@ -1081,7 +1074,7 @@
             <a:fld id="{FE753EDB-7AB4-42D9-B376-B6135C20C788}" type="datetimeFigureOut">
               <a:rPr lang="en-US" smtClean="0"/>
               <a:pPr/>
-              <a:t>6/25/2022</a:t>
+              <a:t>7/2/2022</a:t>
             </a:fld>
             <a:endParaRPr lang="en-US"/>
           </a:p>
@@ -1256,7 +1249,7 @@
             <a:fld id="{FE753EDB-7AB4-42D9-B376-B6135C20C788}" type="datetimeFigureOut">
               <a:rPr lang="en-US" smtClean="0"/>
               <a:pPr/>
-              <a:t>6/25/2022</a:t>
+              <a:t>7/2/2022</a:t>
             </a:fld>
             <a:endParaRPr lang="en-US"/>
           </a:p>
@@ -1421,7 +1414,7 @@
             <a:fld id="{FE753EDB-7AB4-42D9-B376-B6135C20C788}" type="datetimeFigureOut">
               <a:rPr lang="en-US" smtClean="0"/>
               <a:pPr/>
-              <a:t>6/25/2022</a:t>
+              <a:t>7/2/2022</a:t>
             </a:fld>
             <a:endParaRPr lang="en-US"/>
           </a:p>
@@ -1663,7 +1656,7 @@
             <a:fld id="{FE753EDB-7AB4-42D9-B376-B6135C20C788}" type="datetimeFigureOut">
               <a:rPr lang="en-US" smtClean="0"/>
               <a:pPr/>
-              <a:t>6/25/2022</a:t>
+              <a:t>7/2/2022</a:t>
             </a:fld>
             <a:endParaRPr lang="en-US"/>
           </a:p>
@@ -1945,7 +1938,7 @@
             <a:fld id="{FE753EDB-7AB4-42D9-B376-B6135C20C788}" type="datetimeFigureOut">
               <a:rPr lang="en-US" smtClean="0"/>
               <a:pPr/>
-              <a:t>6/25/2022</a:t>
+              <a:t>7/2/2022</a:t>
             </a:fld>
             <a:endParaRPr lang="en-US"/>
           </a:p>
@@ -2361,7 +2354,7 @@
             <a:fld id="{FE753EDB-7AB4-42D9-B376-B6135C20C788}" type="datetimeFigureOut">
               <a:rPr lang="en-US" smtClean="0"/>
               <a:pPr/>
-              <a:t>6/25/2022</a:t>
+              <a:t>7/2/2022</a:t>
             </a:fld>
             <a:endParaRPr lang="en-US"/>
           </a:p>
@@ -2475,7 +2468,7 @@
             <a:fld id="{FE753EDB-7AB4-42D9-B376-B6135C20C788}" type="datetimeFigureOut">
               <a:rPr lang="en-US" smtClean="0"/>
               <a:pPr/>
-              <a:t>6/25/2022</a:t>
+              <a:t>7/2/2022</a:t>
             </a:fld>
             <a:endParaRPr lang="en-US"/>
           </a:p>
@@ -2567,7 +2560,7 @@
             <a:fld id="{FE753EDB-7AB4-42D9-B376-B6135C20C788}" type="datetimeFigureOut">
               <a:rPr lang="en-US" smtClean="0"/>
               <a:pPr/>
-              <a:t>6/25/2022</a:t>
+              <a:t>7/2/2022</a:t>
             </a:fld>
             <a:endParaRPr lang="en-US"/>
           </a:p>
@@ -2839,7 +2832,7 @@
             <a:fld id="{FE753EDB-7AB4-42D9-B376-B6135C20C788}" type="datetimeFigureOut">
               <a:rPr lang="en-US" smtClean="0"/>
               <a:pPr/>
-              <a:t>6/25/2022</a:t>
+              <a:t>7/2/2022</a:t>
             </a:fld>
             <a:endParaRPr lang="en-US"/>
           </a:p>
@@ -3088,7 +3081,7 @@
             <a:fld id="{FE753EDB-7AB4-42D9-B376-B6135C20C788}" type="datetimeFigureOut">
               <a:rPr lang="en-US" smtClean="0"/>
               <a:pPr/>
-              <a:t>6/25/2022</a:t>
+              <a:t>7/2/2022</a:t>
             </a:fld>
             <a:endParaRPr lang="en-US"/>
           </a:p>
@@ -3296,7 +3289,7 @@
             <a:fld id="{FE753EDB-7AB4-42D9-B376-B6135C20C788}" type="datetimeFigureOut">
               <a:rPr lang="en-US" smtClean="0"/>
               <a:pPr/>
-              <a:t>6/25/2022</a:t>
+              <a:t>7/2/2022</a:t>
             </a:fld>
             <a:endParaRPr lang="en-US"/>
           </a:p>
@@ -9566,7 +9559,7 @@
       </p:grpSpPr>
       <p:sp>
         <p:nvSpPr>
-          <p:cNvPr id="6" name="Title 5"/>
+          <p:cNvPr id="2" name="Title 1"/>
           <p:cNvSpPr>
             <a:spLocks noGrp="1"/>
           </p:cNvSpPr>
@@ -9574,12 +9567,7 @@
             <p:ph type="title"/>
           </p:nvPr>
         </p:nvSpPr>
-        <p:spPr>
-          <a:xfrm>
-            <a:off x="457200" y="274638"/>
-            <a:ext cx="8229600" cy="5821362"/>
-          </a:xfrm>
-        </p:spPr>
+        <p:spPr/>
         <p:txBody>
           <a:bodyPr>
             <a:normAutofit/>
@@ -9587,39 +9575,67 @@
           <a:lstStyle/>
           <a:p>
             <a:r>
-              <a:rPr lang="en-US" sz="3600" dirty="0"/>
-              <a:t>In the API, How can we swap the</a:t>
-            </a:r>
-            <a:br>
-              <a:rPr lang="en-US" sz="3600" dirty="0"/>
-            </a:br>
-            <a:r>
-              <a:rPr lang="en-US" sz="3600" dirty="0"/>
-              <a:t>existing ORM </a:t>
-            </a:r>
-            <a:r>
-              <a:rPr lang="en-US" sz="3600" dirty="0" err="1"/>
-              <a:t>NHibernate</a:t>
-            </a:r>
-            <a:r>
-              <a:rPr lang="en-US" sz="3600" dirty="0"/>
-              <a:t> with another ORM such as Entity FW or more still </a:t>
-            </a:r>
-            <a:r>
-              <a:rPr lang="en-US" sz="3600" dirty="0" err="1"/>
-              <a:t>MongoDB</a:t>
-            </a:r>
-            <a:r>
-              <a:rPr lang="en-US" sz="3600" dirty="0"/>
-              <a:t> as the DB?</a:t>
-            </a:r>
-            <a:br>
-              <a:rPr lang="en-US" dirty="0"/>
-            </a:br>
+              <a:rPr lang="en-US" sz="3200" dirty="0"/>
+              <a:t>When to apply SOLID design principles</a:t>
+            </a:r>
+          </a:p>
+        </p:txBody>
+      </p:sp>
+      <p:sp>
+        <p:nvSpPr>
+          <p:cNvPr id="3" name="Content Placeholder 2"/>
+          <p:cNvSpPr>
+            <a:spLocks noGrp="1"/>
+          </p:cNvSpPr>
+          <p:nvPr>
+            <p:ph idx="1"/>
+          </p:nvPr>
+        </p:nvSpPr>
+        <p:spPr/>
+        <p:txBody>
+          <a:bodyPr/>
+          <a:lstStyle/>
+          <a:p>
+            <a:pPr>
+              <a:buNone/>
+            </a:pPr>
+            <a:r>
+              <a:rPr lang="en-US" b="1" dirty="0"/>
+              <a:t>TDD presents us an opportunity</a:t>
+            </a:r>
+          </a:p>
+          <a:p>
+            <a:pPr>
+              <a:buNone/>
+            </a:pPr>
             <a:endParaRPr lang="en-US" dirty="0"/>
           </a:p>
         </p:txBody>
       </p:sp>
+      <p:pic>
+        <p:nvPicPr>
+          <p:cNvPr id="4" name="Picture 3" descr="06_Red_Green_Refactor.JPG"/>
+          <p:cNvPicPr>
+            <a:picLocks noChangeAspect="1"/>
+          </p:cNvPicPr>
+          <p:nvPr/>
+        </p:nvPicPr>
+        <p:blipFill>
+          <a:blip r:embed="rId2" cstate="print"/>
+          <a:stretch>
+            <a:fillRect/>
+          </a:stretch>
+        </p:blipFill>
+        <p:spPr>
+          <a:xfrm>
+            <a:off x="2667000" y="2300287"/>
+            <a:ext cx="3810000" cy="2257425"/>
+          </a:xfrm>
+          <a:prstGeom prst="rect">
+            <a:avLst/>
+          </a:prstGeom>
+        </p:spPr>
+      </p:pic>
     </p:spTree>
   </p:cSld>
   <p:clrMapOvr>
@@ -9647,7 +9663,7 @@
       </p:grpSpPr>
       <p:sp>
         <p:nvSpPr>
-          <p:cNvPr id="4" name="Title 3"/>
+          <p:cNvPr id="2" name="Title 1"/>
           <p:cNvSpPr>
             <a:spLocks noGrp="1"/>
           </p:cNvSpPr>
@@ -9655,19 +9671,42 @@
             <p:ph type="title"/>
           </p:nvPr>
         </p:nvSpPr>
-        <p:spPr>
-          <a:xfrm>
-            <a:off x="609600" y="2667000"/>
-            <a:ext cx="8229600" cy="1143000"/>
-          </a:xfrm>
-        </p:spPr>
+        <p:spPr/>
         <p:txBody>
           <a:bodyPr/>
           <a:lstStyle/>
           <a:p>
             <a:r>
               <a:rPr lang="en-US" dirty="0"/>
-              <a:t>STATIC vs. DYNAMIC</a:t>
+              <a:t>Other design smells &amp; principles</a:t>
+            </a:r>
+          </a:p>
+        </p:txBody>
+      </p:sp>
+      <p:sp>
+        <p:nvSpPr>
+          <p:cNvPr id="3" name="Content Placeholder 2"/>
+          <p:cNvSpPr>
+            <a:spLocks noGrp="1"/>
+          </p:cNvSpPr>
+          <p:nvPr>
+            <p:ph idx="1"/>
+          </p:nvPr>
+        </p:nvSpPr>
+        <p:spPr/>
+        <p:txBody>
+          <a:bodyPr/>
+          <a:lstStyle/>
+          <a:p>
+            <a:r>
+              <a:rPr lang="en-US" dirty="0"/>
+              <a:t>Needless Repetition : DRY</a:t>
+            </a:r>
+          </a:p>
+          <a:p>
+            <a:r>
+              <a:rPr lang="en-US" dirty="0"/>
+              <a:t>Complex/Over design : YAGNI, KISS</a:t>
             </a:r>
           </a:p>
         </p:txBody>
@@ -9697,33 +9736,40 @@
           <a:chExt cx="0" cy="0"/>
         </a:xfrm>
       </p:grpSpPr>
-      <p:sp>
-        <p:nvSpPr>
-          <p:cNvPr id="2" name="Title 1"/>
-          <p:cNvSpPr>
-            <a:spLocks noGrp="1"/>
-          </p:cNvSpPr>
-          <p:nvPr>
-            <p:ph type="title"/>
-          </p:nvPr>
-        </p:nvSpPr>
+      <p:pic>
+        <p:nvPicPr>
+          <p:cNvPr id="2" name="Picture 1" descr="boyscouts.jpg"/>
+          <p:cNvPicPr>
+            <a:picLocks noChangeAspect="1"/>
+          </p:cNvPicPr>
+          <p:nvPr/>
+        </p:nvPicPr>
+        <p:blipFill>
+          <a:blip r:embed="rId2" cstate="print"/>
+          <a:stretch>
+            <a:fillRect/>
+          </a:stretch>
+        </p:blipFill>
         <p:spPr>
           <a:xfrm>
-            <a:off x="457200" y="2819400"/>
-            <a:ext cx="8229600" cy="1143000"/>
+            <a:off x="1000125" y="571500"/>
+            <a:ext cx="7143750" cy="5715000"/>
           </a:xfrm>
+          <a:prstGeom prst="rect">
+            <a:avLst/>
+          </a:prstGeom>
+          <a:ln>
+            <a:noFill/>
+          </a:ln>
+          <a:effectLst>
+            <a:outerShdw blurRad="292100" dist="139700" dir="2700000" algn="tl" rotWithShape="0">
+              <a:srgbClr val="333333">
+                <a:alpha val="65000"/>
+              </a:srgbClr>
+            </a:outerShdw>
+          </a:effectLst>
         </p:spPr>
-        <p:txBody>
-          <a:bodyPr/>
-          <a:lstStyle/>
-          <a:p>
-            <a:r>
-              <a:rPr lang="en-US" dirty="0"/>
-              <a:t>Why do we need an Interface?</a:t>
-            </a:r>
-          </a:p>
-        </p:txBody>
-      </p:sp>
+      </p:pic>
     </p:spTree>
   </p:cSld>
   <p:clrMapOvr>
@@ -9749,67 +9795,38 @@
           <a:chExt cx="0" cy="0"/>
         </a:xfrm>
       </p:grpSpPr>
-      <p:sp>
-        <p:nvSpPr>
-          <p:cNvPr id="2" name="Title 1"/>
-          <p:cNvSpPr>
-            <a:spLocks noGrp="1"/>
-          </p:cNvSpPr>
-          <p:nvPr>
-            <p:ph type="title"/>
-          </p:nvPr>
-        </p:nvSpPr>
-        <p:spPr/>
-        <p:txBody>
-          <a:bodyPr>
-            <a:normAutofit/>
-          </a:bodyPr>
-          <a:lstStyle/>
-          <a:p>
-            <a:r>
-              <a:rPr lang="en-US" sz="2800" dirty="0"/>
-              <a:t>In static languages,</a:t>
-            </a:r>
-            <a:br>
-              <a:rPr lang="en-US" sz="2800" dirty="0"/>
-            </a:br>
-            <a:r>
-              <a:rPr lang="en-US" sz="2800" dirty="0"/>
-              <a:t>We must know about Types being passed around!</a:t>
-            </a:r>
-          </a:p>
-        </p:txBody>
-      </p:sp>
       <p:pic>
         <p:nvPicPr>
-          <p:cNvPr id="83971" name="Picture 3"/>
+          <p:cNvPr id="6" name="Picture 5" descr="clean_code.png"/>
           <p:cNvPicPr>
-            <a:picLocks noChangeAspect="1" noChangeArrowheads="1"/>
+            <a:picLocks noChangeAspect="1"/>
           </p:cNvPicPr>
           <p:nvPr/>
         </p:nvPicPr>
         <p:blipFill>
           <a:blip r:embed="rId2" cstate="print"/>
-          <a:srcRect/>
           <a:stretch>
             <a:fillRect/>
           </a:stretch>
         </p:blipFill>
-        <p:spPr bwMode="auto">
+        <p:spPr>
           <a:xfrm>
-            <a:off x="1905000" y="2286000"/>
-            <a:ext cx="5638800" cy="2362200"/>
+            <a:off x="609600" y="228600"/>
+            <a:ext cx="8229600" cy="6324600"/>
           </a:xfrm>
           <a:prstGeom prst="rect">
             <a:avLst/>
           </a:prstGeom>
-          <a:noFill/>
-          <a:ln w="9525">
+          <a:ln>
             <a:noFill/>
-            <a:miter lim="800000"/>
-            <a:headEnd/>
-            <a:tailEnd/>
           </a:ln>
+          <a:effectLst>
+            <a:outerShdw blurRad="292100" dist="139700" dir="2700000" algn="tl" rotWithShape="0">
+              <a:srgbClr val="333333">
+                <a:alpha val="65000"/>
+              </a:srgbClr>
+            </a:outerShdw>
+          </a:effectLst>
         </p:spPr>
       </p:pic>
     </p:spTree>
@@ -9839,7 +9856,7 @@
       </p:grpSpPr>
       <p:sp>
         <p:nvSpPr>
-          <p:cNvPr id="2" name="Title 1"/>
+          <p:cNvPr id="4" name="Title 3"/>
           <p:cNvSpPr>
             <a:spLocks noGrp="1"/>
           </p:cNvSpPr>
@@ -9849,55 +9866,21 @@
         </p:nvSpPr>
         <p:spPr>
           <a:xfrm>
-            <a:off x="457200" y="274638"/>
-            <a:ext cx="8229600" cy="1401762"/>
+            <a:off x="533400" y="2590800"/>
+            <a:ext cx="8229600" cy="1143000"/>
           </a:xfrm>
         </p:spPr>
         <p:txBody>
-          <a:bodyPr>
-            <a:normAutofit/>
-          </a:bodyPr>
-          <a:lstStyle/>
-          <a:p>
-            <a:r>
-              <a:rPr lang="en-US" sz="2800" dirty="0"/>
-              <a:t>A dynamic language like Ruby is designed to never worry about types in the first place</a:t>
-            </a:r>
-          </a:p>
-        </p:txBody>
-      </p:sp>
-      <p:pic>
-        <p:nvPicPr>
-          <p:cNvPr id="84995" name="Picture 3"/>
-          <p:cNvPicPr>
-            <a:picLocks noChangeAspect="1" noChangeArrowheads="1"/>
-          </p:cNvPicPr>
-          <p:nvPr/>
-        </p:nvPicPr>
-        <p:blipFill>
-          <a:blip r:embed="rId2" cstate="print"/>
-          <a:srcRect/>
-          <a:stretch>
-            <a:fillRect/>
-          </a:stretch>
-        </p:blipFill>
-        <p:spPr bwMode="auto">
-          <a:xfrm>
-            <a:off x="1514475" y="2133600"/>
-            <a:ext cx="6115050" cy="2590799"/>
-          </a:xfrm>
-          <a:prstGeom prst="rect">
-            <a:avLst/>
-          </a:prstGeom>
-          <a:noFill/>
-          <a:ln w="9525">
-            <a:noFill/>
-            <a:miter lim="800000"/>
-            <a:headEnd/>
-            <a:tailEnd/>
-          </a:ln>
-        </p:spPr>
-      </p:pic>
+          <a:bodyPr/>
+          <a:lstStyle/>
+          <a:p>
+            <a:r>
+              <a:rPr lang="en-US" dirty="0"/>
+              <a:t>What Next?</a:t>
+            </a:r>
+          </a:p>
+        </p:txBody>
+      </p:sp>
     </p:spTree>
   </p:cSld>
   <p:clrMapOvr>
@@ -9923,132 +9906,62 @@
           <a:chExt cx="0" cy="0"/>
         </a:xfrm>
       </p:grpSpPr>
+      <p:sp>
+        <p:nvSpPr>
+          <p:cNvPr id="4" name="Title 3"/>
+          <p:cNvSpPr>
+            <a:spLocks noGrp="1"/>
+          </p:cNvSpPr>
+          <p:nvPr>
+            <p:ph type="title"/>
+          </p:nvPr>
+        </p:nvSpPr>
+        <p:spPr/>
+        <p:txBody>
+          <a:bodyPr/>
+          <a:lstStyle/>
+          <a:p>
+            <a:r>
+              <a:rPr lang="en-US" dirty="0"/>
+              <a:t>Mediate on these principles</a:t>
+            </a:r>
+          </a:p>
+        </p:txBody>
+      </p:sp>
       <p:pic>
         <p:nvPicPr>
-          <p:cNvPr id="81922" name="Picture 2"/>
+          <p:cNvPr id="7" name="Content Placeholder 6" descr="meditate.png"/>
           <p:cNvPicPr>
-            <a:picLocks noChangeAspect="1" noChangeArrowheads="1"/>
+            <a:picLocks noGrp="1" noChangeAspect="1"/>
           </p:cNvPicPr>
-          <p:nvPr/>
+          <p:nvPr>
+            <p:ph idx="1"/>
+          </p:nvPr>
         </p:nvPicPr>
         <p:blipFill>
           <a:blip r:embed="rId2" cstate="print"/>
-          <a:srcRect/>
           <a:stretch>
             <a:fillRect/>
           </a:stretch>
         </p:blipFill>
-        <p:spPr bwMode="auto">
+        <p:spPr>
           <a:xfrm>
-            <a:off x="457200" y="533400"/>
-            <a:ext cx="3676650" cy="4486275"/>
+            <a:off x="2662237" y="1877219"/>
+            <a:ext cx="3819525" cy="3971925"/>
           </a:xfrm>
           <a:prstGeom prst="rect">
             <a:avLst/>
           </a:prstGeom>
-          <a:noFill/>
-          <a:ln w="9525">
+          <a:ln>
             <a:noFill/>
-            <a:miter lim="800000"/>
-            <a:headEnd/>
-            <a:tailEnd/>
           </a:ln>
-        </p:spPr>
-      </p:pic>
-      <p:pic>
-        <p:nvPicPr>
-          <p:cNvPr id="81923" name="Picture 3"/>
-          <p:cNvPicPr>
-            <a:picLocks noChangeAspect="1" noChangeArrowheads="1"/>
-          </p:cNvPicPr>
-          <p:nvPr/>
-        </p:nvPicPr>
-        <p:blipFill>
-          <a:blip r:embed="rId3" cstate="print"/>
-          <a:srcRect/>
-          <a:stretch>
-            <a:fillRect/>
-          </a:stretch>
-        </p:blipFill>
-        <p:spPr bwMode="auto">
-          <a:xfrm>
-            <a:off x="4724400" y="609600"/>
-            <a:ext cx="3971925" cy="4438650"/>
-          </a:xfrm>
-          <a:prstGeom prst="rect">
-            <a:avLst/>
-          </a:prstGeom>
-          <a:noFill/>
-          <a:ln w="9525">
-            <a:noFill/>
-            <a:miter lim="800000"/>
-            <a:headEnd/>
-            <a:tailEnd/>
-          </a:ln>
-        </p:spPr>
-      </p:pic>
-      <p:pic>
-        <p:nvPicPr>
-          <p:cNvPr id="81924" name="Picture 4"/>
-          <p:cNvPicPr>
-            <a:picLocks noChangeAspect="1" noChangeArrowheads="1"/>
-          </p:cNvPicPr>
-          <p:nvPr/>
-        </p:nvPicPr>
-        <p:blipFill>
-          <a:blip r:embed="rId4" cstate="print"/>
-          <a:srcRect/>
-          <a:stretch>
-            <a:fillRect/>
-          </a:stretch>
-        </p:blipFill>
-        <p:spPr bwMode="auto">
-          <a:xfrm>
-            <a:off x="1981200" y="5105400"/>
-            <a:ext cx="5362575" cy="1409700"/>
-          </a:xfrm>
-          <a:prstGeom prst="rect">
-            <a:avLst/>
-          </a:prstGeom>
-          <a:noFill/>
-          <a:ln w="9525">
-            <a:noFill/>
-            <a:miter lim="800000"/>
-            <a:headEnd/>
-            <a:tailEnd/>
-          </a:ln>
-        </p:spPr>
-      </p:pic>
-      <p:pic>
-        <p:nvPicPr>
-          <p:cNvPr id="81925" name="Picture 5"/>
-          <p:cNvPicPr>
-            <a:picLocks noChangeAspect="1" noChangeArrowheads="1"/>
-          </p:cNvPicPr>
-          <p:nvPr/>
-        </p:nvPicPr>
-        <p:blipFill>
-          <a:blip r:embed="rId5" cstate="print"/>
-          <a:srcRect/>
-          <a:stretch>
-            <a:fillRect/>
-          </a:stretch>
-        </p:blipFill>
-        <p:spPr bwMode="auto">
-          <a:xfrm>
-            <a:off x="0" y="0"/>
-            <a:ext cx="9601200" cy="6867525"/>
-          </a:xfrm>
-          <a:prstGeom prst="rect">
-            <a:avLst/>
-          </a:prstGeom>
-          <a:noFill/>
-          <a:ln w="9525">
-            <a:noFill/>
-            <a:miter lim="800000"/>
-            <a:headEnd/>
-            <a:tailEnd/>
-          </a:ln>
+          <a:effectLst>
+            <a:outerShdw blurRad="292100" dist="139700" dir="2700000" algn="tl" rotWithShape="0">
+              <a:srgbClr val="333333">
+                <a:alpha val="65000"/>
+              </a:srgbClr>
+            </a:outerShdw>
+          </a:effectLst>
         </p:spPr>
       </p:pic>
     </p:spTree>
@@ -10093,7 +10006,7 @@
           <a:p>
             <a:r>
               <a:rPr lang="en-US" dirty="0"/>
-              <a:t>Other design smells &amp; principles</a:t>
+              <a:t>For us, its constant learning</a:t>
             </a:r>
           </a:p>
         </p:txBody>
@@ -10115,13 +10028,25 @@
           <a:p>
             <a:r>
               <a:rPr lang="en-US" dirty="0"/>
-              <a:t>Needless Repetition : DRY</a:t>
-            </a:r>
-          </a:p>
-          <a:p>
-            <a:r>
-              <a:rPr lang="en-US" dirty="0"/>
-              <a:t>Complex/Over design : YAGNI, KISS</a:t>
+              <a:t>Design Patterns</a:t>
+            </a:r>
+          </a:p>
+          <a:p>
+            <a:r>
+              <a:rPr lang="en-US" dirty="0"/>
+              <a:t>Refactoring to Patterns</a:t>
+            </a:r>
+          </a:p>
+          <a:p>
+            <a:r>
+              <a:rPr lang="en-US" dirty="0"/>
+              <a:t>Architectural Patterns</a:t>
+            </a:r>
+          </a:p>
+          <a:p>
+            <a:r>
+              <a:rPr lang="en-US" dirty="0"/>
+              <a:t>Patterns in JavaScript</a:t>
             </a:r>
           </a:p>
         </p:txBody>
@@ -10228,8 +10153,8 @@
           <a:lstStyle/>
           <a:p>
             <a:r>
-              <a:rPr lang="en-US" sz="3200" dirty="0"/>
-              <a:t>When to apply SOLID design principles</a:t>
+              <a:rPr lang="en-US" dirty="0"/>
+              <a:t>Code, presentation can be found at</a:t>
             </a:r>
           </a:p>
         </p:txBody>
@@ -10249,46 +10174,19 @@
           <a:bodyPr/>
           <a:lstStyle/>
           <a:p>
-            <a:pPr>
-              <a:buNone/>
-            </a:pPr>
-            <a:r>
-              <a:rPr lang="en-US" b="1" dirty="0"/>
-              <a:t>TDD presents us an opportunity</a:t>
-            </a:r>
-          </a:p>
-          <a:p>
-            <a:pPr>
-              <a:buNone/>
-            </a:pPr>
+            <a:r>
+              <a:rPr lang="en-US" dirty="0">
+                <a:hlinkClick r:id="rId2"/>
+              </a:rPr>
+              <a:t>https://github.com/chris-gibson/solid</a:t>
+            </a:r>
             <a:endParaRPr lang="en-US" dirty="0"/>
           </a:p>
-        </p:txBody>
-      </p:sp>
-      <p:pic>
-        <p:nvPicPr>
-          <p:cNvPr id="4" name="Picture 3" descr="06_Red_Green_Refactor.JPG"/>
-          <p:cNvPicPr>
-            <a:picLocks noChangeAspect="1"/>
-          </p:cNvPicPr>
-          <p:nvPr/>
-        </p:nvPicPr>
-        <p:blipFill>
-          <a:blip r:embed="rId2" cstate="print"/>
-          <a:stretch>
-            <a:fillRect/>
-          </a:stretch>
-        </p:blipFill>
-        <p:spPr>
-          <a:xfrm>
-            <a:off x="2667000" y="2300287"/>
-            <a:ext cx="3810000" cy="2257425"/>
-          </a:xfrm>
-          <a:prstGeom prst="rect">
-            <a:avLst/>
-          </a:prstGeom>
-        </p:spPr>
-      </p:pic>
+          <a:p>
+            <a:endParaRPr lang="en-US" dirty="0"/>
+          </a:p>
+        </p:txBody>
+      </p:sp>
     </p:spTree>
   </p:cSld>
   <p:clrMapOvr>
@@ -10314,40 +10212,89 @@
           <a:chExt cx="0" cy="0"/>
         </a:xfrm>
       </p:grpSpPr>
-      <p:pic>
-        <p:nvPicPr>
-          <p:cNvPr id="2" name="Picture 1" descr="boyscouts.jpg"/>
-          <p:cNvPicPr>
-            <a:picLocks noChangeAspect="1"/>
-          </p:cNvPicPr>
-          <p:nvPr/>
-        </p:nvPicPr>
-        <p:blipFill>
-          <a:blip r:embed="rId2" cstate="print"/>
-          <a:stretch>
-            <a:fillRect/>
-          </a:stretch>
-        </p:blipFill>
-        <p:spPr>
-          <a:xfrm>
-            <a:off x="1000125" y="571500"/>
-            <a:ext cx="7143750" cy="5715000"/>
-          </a:xfrm>
-          <a:prstGeom prst="rect">
-            <a:avLst/>
-          </a:prstGeom>
-          <a:ln>
-            <a:noFill/>
-          </a:ln>
-          <a:effectLst>
-            <a:outerShdw blurRad="292100" dist="139700" dir="2700000" algn="tl" rotWithShape="0">
-              <a:srgbClr val="333333">
-                <a:alpha val="65000"/>
-              </a:srgbClr>
-            </a:outerShdw>
-          </a:effectLst>
-        </p:spPr>
-      </p:pic>
+      <p:sp>
+        <p:nvSpPr>
+          <p:cNvPr id="2" name="Title 1"/>
+          <p:cNvSpPr>
+            <a:spLocks noGrp="1"/>
+          </p:cNvSpPr>
+          <p:nvPr>
+            <p:ph type="title"/>
+          </p:nvPr>
+        </p:nvSpPr>
+        <p:spPr/>
+        <p:txBody>
+          <a:bodyPr/>
+          <a:lstStyle/>
+          <a:p>
+            <a:r>
+              <a:rPr lang="en-US" dirty="0"/>
+              <a:t>References</a:t>
+            </a:r>
+          </a:p>
+        </p:txBody>
+      </p:sp>
+      <p:sp>
+        <p:nvSpPr>
+          <p:cNvPr id="3" name="Content Placeholder 2"/>
+          <p:cNvSpPr>
+            <a:spLocks noGrp="1"/>
+          </p:cNvSpPr>
+          <p:nvPr>
+            <p:ph idx="1"/>
+          </p:nvPr>
+        </p:nvSpPr>
+        <p:spPr/>
+        <p:txBody>
+          <a:bodyPr/>
+          <a:lstStyle/>
+          <a:p>
+            <a:r>
+              <a:rPr lang="en-US" dirty="0">
+                <a:hlinkClick r:id="rId2"/>
+              </a:rPr>
+              <a:t>http://butunclebob.com/ArticleS.UncleBob.PrinciplesOfOod</a:t>
+            </a:r>
+            <a:endParaRPr lang="en-US" dirty="0"/>
+          </a:p>
+          <a:p>
+            <a:r>
+              <a:rPr lang="en-US" dirty="0">
+                <a:hlinkClick r:id="rId3"/>
+              </a:rPr>
+              <a:t>http://lostechies.com/derickbailey/2009/02/11/solid-development-principles-in-motivational-pictures/</a:t>
+            </a:r>
+            <a:endParaRPr lang="en-US" dirty="0"/>
+          </a:p>
+          <a:p>
+            <a:r>
+              <a:rPr lang="en-US" dirty="0">
+                <a:hlinkClick r:id="rId4"/>
+              </a:rPr>
+              <a:t>http://bighugelabs.com/motivator.php</a:t>
+            </a:r>
+            <a:endParaRPr lang="en-US" dirty="0"/>
+          </a:p>
+          <a:p>
+            <a:r>
+              <a:rPr lang="en-US" i="1" dirty="0">
+                <a:hlinkClick r:id="rId5"/>
+              </a:rPr>
+              <a:t>http://www.developerdotstar.com/mag/bios/jack_reeves.html</a:t>
+            </a:r>
+            <a:endParaRPr lang="en-US" i="1" dirty="0"/>
+          </a:p>
+          <a:p>
+            <a:endParaRPr lang="en-US" dirty="0"/>
+          </a:p>
+          <a:p>
+            <a:endParaRPr lang="en-US" dirty="0"/>
+          </a:p>
+          <a:p>
+            <a:endParaRPr lang="en-US" dirty="0"/>
+          </a:p>
+        </p:txBody>
+      </p:sp>
     </p:spTree>
   </p:cSld>
   <p:clrMapOvr>
@@ -10357,559 +10304,6 @@
 </file>
 
 <file path=ppt/slides/slide82.xml><?xml version="1.0" encoding="utf-8"?>
-<p:sld xmlns:a="http://schemas.openxmlformats.org/drawingml/2006/main" xmlns:r="http://schemas.openxmlformats.org/officeDocument/2006/relationships" xmlns:p="http://schemas.openxmlformats.org/presentationml/2006/main">
-  <p:cSld>
-    <p:spTree>
-      <p:nvGrpSpPr>
-        <p:cNvPr id="1" name=""/>
-        <p:cNvGrpSpPr/>
-        <p:nvPr/>
-      </p:nvGrpSpPr>
-      <p:grpSpPr>
-        <a:xfrm>
-          <a:off x="0" y="0"/>
-          <a:ext cx="0" cy="0"/>
-          <a:chOff x="0" y="0"/>
-          <a:chExt cx="0" cy="0"/>
-        </a:xfrm>
-      </p:grpSpPr>
-      <p:pic>
-        <p:nvPicPr>
-          <p:cNvPr id="6" name="Picture 5" descr="clean_code.png"/>
-          <p:cNvPicPr>
-            <a:picLocks noChangeAspect="1"/>
-          </p:cNvPicPr>
-          <p:nvPr/>
-        </p:nvPicPr>
-        <p:blipFill>
-          <a:blip r:embed="rId2" cstate="print"/>
-          <a:stretch>
-            <a:fillRect/>
-          </a:stretch>
-        </p:blipFill>
-        <p:spPr>
-          <a:xfrm>
-            <a:off x="609600" y="228600"/>
-            <a:ext cx="8229600" cy="6324600"/>
-          </a:xfrm>
-          <a:prstGeom prst="rect">
-            <a:avLst/>
-          </a:prstGeom>
-          <a:ln>
-            <a:noFill/>
-          </a:ln>
-          <a:effectLst>
-            <a:outerShdw blurRad="292100" dist="139700" dir="2700000" algn="tl" rotWithShape="0">
-              <a:srgbClr val="333333">
-                <a:alpha val="65000"/>
-              </a:srgbClr>
-            </a:outerShdw>
-          </a:effectLst>
-        </p:spPr>
-      </p:pic>
-    </p:spTree>
-  </p:cSld>
-  <p:clrMapOvr>
-    <a:masterClrMapping/>
-  </p:clrMapOvr>
-</p:sld>
-</file>
-
-<file path=ppt/slides/slide83.xml><?xml version="1.0" encoding="utf-8"?>
-<p:sld xmlns:a="http://schemas.openxmlformats.org/drawingml/2006/main" xmlns:r="http://schemas.openxmlformats.org/officeDocument/2006/relationships" xmlns:p="http://schemas.openxmlformats.org/presentationml/2006/main">
-  <p:cSld>
-    <p:spTree>
-      <p:nvGrpSpPr>
-        <p:cNvPr id="1" name=""/>
-        <p:cNvGrpSpPr/>
-        <p:nvPr/>
-      </p:nvGrpSpPr>
-      <p:grpSpPr>
-        <a:xfrm>
-          <a:off x="0" y="0"/>
-          <a:ext cx="0" cy="0"/>
-          <a:chOff x="0" y="0"/>
-          <a:chExt cx="0" cy="0"/>
-        </a:xfrm>
-      </p:grpSpPr>
-      <p:sp>
-        <p:nvSpPr>
-          <p:cNvPr id="4" name="Title 3"/>
-          <p:cNvSpPr>
-            <a:spLocks noGrp="1"/>
-          </p:cNvSpPr>
-          <p:nvPr>
-            <p:ph type="title"/>
-          </p:nvPr>
-        </p:nvSpPr>
-        <p:spPr>
-          <a:xfrm>
-            <a:off x="533400" y="2590800"/>
-            <a:ext cx="8229600" cy="1143000"/>
-          </a:xfrm>
-        </p:spPr>
-        <p:txBody>
-          <a:bodyPr/>
-          <a:lstStyle/>
-          <a:p>
-            <a:r>
-              <a:rPr lang="en-US" dirty="0"/>
-              <a:t>What Next?</a:t>
-            </a:r>
-          </a:p>
-        </p:txBody>
-      </p:sp>
-    </p:spTree>
-  </p:cSld>
-  <p:clrMapOvr>
-    <a:masterClrMapping/>
-  </p:clrMapOvr>
-</p:sld>
-</file>
-
-<file path=ppt/slides/slide84.xml><?xml version="1.0" encoding="utf-8"?>
-<p:sld xmlns:a="http://schemas.openxmlformats.org/drawingml/2006/main" xmlns:r="http://schemas.openxmlformats.org/officeDocument/2006/relationships" xmlns:p="http://schemas.openxmlformats.org/presentationml/2006/main">
-  <p:cSld>
-    <p:spTree>
-      <p:nvGrpSpPr>
-        <p:cNvPr id="1" name=""/>
-        <p:cNvGrpSpPr/>
-        <p:nvPr/>
-      </p:nvGrpSpPr>
-      <p:grpSpPr>
-        <a:xfrm>
-          <a:off x="0" y="0"/>
-          <a:ext cx="0" cy="0"/>
-          <a:chOff x="0" y="0"/>
-          <a:chExt cx="0" cy="0"/>
-        </a:xfrm>
-      </p:grpSpPr>
-      <p:sp>
-        <p:nvSpPr>
-          <p:cNvPr id="4" name="Title 3"/>
-          <p:cNvSpPr>
-            <a:spLocks noGrp="1"/>
-          </p:cNvSpPr>
-          <p:nvPr>
-            <p:ph type="title"/>
-          </p:nvPr>
-        </p:nvSpPr>
-        <p:spPr/>
-        <p:txBody>
-          <a:bodyPr/>
-          <a:lstStyle/>
-          <a:p>
-            <a:r>
-              <a:rPr lang="en-US" dirty="0"/>
-              <a:t>Mediate on these principles</a:t>
-            </a:r>
-          </a:p>
-        </p:txBody>
-      </p:sp>
-      <p:pic>
-        <p:nvPicPr>
-          <p:cNvPr id="7" name="Content Placeholder 6" descr="meditate.png"/>
-          <p:cNvPicPr>
-            <a:picLocks noGrp="1" noChangeAspect="1"/>
-          </p:cNvPicPr>
-          <p:nvPr>
-            <p:ph idx="1"/>
-          </p:nvPr>
-        </p:nvPicPr>
-        <p:blipFill>
-          <a:blip r:embed="rId2" cstate="print"/>
-          <a:stretch>
-            <a:fillRect/>
-          </a:stretch>
-        </p:blipFill>
-        <p:spPr>
-          <a:xfrm>
-            <a:off x="2662237" y="1877219"/>
-            <a:ext cx="3819525" cy="3971925"/>
-          </a:xfrm>
-          <a:prstGeom prst="rect">
-            <a:avLst/>
-          </a:prstGeom>
-          <a:ln>
-            <a:noFill/>
-          </a:ln>
-          <a:effectLst>
-            <a:outerShdw blurRad="292100" dist="139700" dir="2700000" algn="tl" rotWithShape="0">
-              <a:srgbClr val="333333">
-                <a:alpha val="65000"/>
-              </a:srgbClr>
-            </a:outerShdw>
-          </a:effectLst>
-        </p:spPr>
-      </p:pic>
-    </p:spTree>
-  </p:cSld>
-  <p:clrMapOvr>
-    <a:masterClrMapping/>
-  </p:clrMapOvr>
-</p:sld>
-</file>
-
-<file path=ppt/slides/slide85.xml><?xml version="1.0" encoding="utf-8"?>
-<p:sld xmlns:a="http://schemas.openxmlformats.org/drawingml/2006/main" xmlns:r="http://schemas.openxmlformats.org/officeDocument/2006/relationships" xmlns:p="http://schemas.openxmlformats.org/presentationml/2006/main">
-  <p:cSld>
-    <p:spTree>
-      <p:nvGrpSpPr>
-        <p:cNvPr id="1" name=""/>
-        <p:cNvGrpSpPr/>
-        <p:nvPr/>
-      </p:nvGrpSpPr>
-      <p:grpSpPr>
-        <a:xfrm>
-          <a:off x="0" y="0"/>
-          <a:ext cx="0" cy="0"/>
-          <a:chOff x="0" y="0"/>
-          <a:chExt cx="0" cy="0"/>
-        </a:xfrm>
-      </p:grpSpPr>
-      <p:sp>
-        <p:nvSpPr>
-          <p:cNvPr id="2" name="Title 1"/>
-          <p:cNvSpPr>
-            <a:spLocks noGrp="1"/>
-          </p:cNvSpPr>
-          <p:nvPr>
-            <p:ph type="title"/>
-          </p:nvPr>
-        </p:nvSpPr>
-        <p:spPr/>
-        <p:txBody>
-          <a:bodyPr/>
-          <a:lstStyle/>
-          <a:p>
-            <a:r>
-              <a:rPr lang="en-US" dirty="0"/>
-              <a:t>For us, its constant learning</a:t>
-            </a:r>
-          </a:p>
-        </p:txBody>
-      </p:sp>
-      <p:sp>
-        <p:nvSpPr>
-          <p:cNvPr id="3" name="Content Placeholder 2"/>
-          <p:cNvSpPr>
-            <a:spLocks noGrp="1"/>
-          </p:cNvSpPr>
-          <p:nvPr>
-            <p:ph idx="1"/>
-          </p:nvPr>
-        </p:nvSpPr>
-        <p:spPr/>
-        <p:txBody>
-          <a:bodyPr/>
-          <a:lstStyle/>
-          <a:p>
-            <a:r>
-              <a:rPr lang="en-US" dirty="0"/>
-              <a:t>Design Patterns</a:t>
-            </a:r>
-          </a:p>
-          <a:p>
-            <a:r>
-              <a:rPr lang="en-US" dirty="0"/>
-              <a:t>Refactoring to Patterns</a:t>
-            </a:r>
-          </a:p>
-          <a:p>
-            <a:r>
-              <a:rPr lang="en-US" dirty="0"/>
-              <a:t>Architectural Patterns</a:t>
-            </a:r>
-          </a:p>
-          <a:p>
-            <a:r>
-              <a:rPr lang="en-US" dirty="0"/>
-              <a:t>Patterns in JavaScript</a:t>
-            </a:r>
-          </a:p>
-        </p:txBody>
-      </p:sp>
-    </p:spTree>
-  </p:cSld>
-  <p:clrMapOvr>
-    <a:masterClrMapping/>
-  </p:clrMapOvr>
-</p:sld>
-</file>
-
-<file path=ppt/slides/slide86.xml><?xml version="1.0" encoding="utf-8"?>
-<p:sld xmlns:a="http://schemas.openxmlformats.org/drawingml/2006/main" xmlns:r="http://schemas.openxmlformats.org/officeDocument/2006/relationships" xmlns:p="http://schemas.openxmlformats.org/presentationml/2006/main">
-  <p:cSld>
-    <p:spTree>
-      <p:nvGrpSpPr>
-        <p:cNvPr id="1" name=""/>
-        <p:cNvGrpSpPr/>
-        <p:nvPr/>
-      </p:nvGrpSpPr>
-      <p:grpSpPr>
-        <a:xfrm>
-          <a:off x="0" y="0"/>
-          <a:ext cx="0" cy="0"/>
-          <a:chOff x="0" y="0"/>
-          <a:chExt cx="0" cy="0"/>
-        </a:xfrm>
-      </p:grpSpPr>
-      <p:sp>
-        <p:nvSpPr>
-          <p:cNvPr id="2" name="Title 1"/>
-          <p:cNvSpPr>
-            <a:spLocks noGrp="1"/>
-          </p:cNvSpPr>
-          <p:nvPr>
-            <p:ph type="title"/>
-          </p:nvPr>
-        </p:nvSpPr>
-        <p:spPr/>
-        <p:txBody>
-          <a:bodyPr>
-            <a:normAutofit/>
-          </a:bodyPr>
-          <a:lstStyle/>
-          <a:p>
-            <a:r>
-              <a:rPr lang="en-US" dirty="0"/>
-              <a:t>Code, presentation can be found at</a:t>
-            </a:r>
-          </a:p>
-        </p:txBody>
-      </p:sp>
-      <p:sp>
-        <p:nvSpPr>
-          <p:cNvPr id="3" name="Content Placeholder 2"/>
-          <p:cNvSpPr>
-            <a:spLocks noGrp="1"/>
-          </p:cNvSpPr>
-          <p:nvPr>
-            <p:ph idx="1"/>
-          </p:nvPr>
-        </p:nvSpPr>
-        <p:spPr/>
-        <p:txBody>
-          <a:bodyPr/>
-          <a:lstStyle/>
-          <a:p>
-            <a:r>
-              <a:rPr lang="en-US" dirty="0">
-                <a:hlinkClick r:id="rId2"/>
-              </a:rPr>
-              <a:t>https://github.com/chris-gibson/solid</a:t>
-            </a:r>
-            <a:endParaRPr lang="en-US" dirty="0"/>
-          </a:p>
-          <a:p>
-            <a:endParaRPr lang="en-US" dirty="0"/>
-          </a:p>
-        </p:txBody>
-      </p:sp>
-    </p:spTree>
-  </p:cSld>
-  <p:clrMapOvr>
-    <a:masterClrMapping/>
-  </p:clrMapOvr>
-</p:sld>
-</file>
-
-<file path=ppt/slides/slide87.xml><?xml version="1.0" encoding="utf-8"?>
-<p:sld xmlns:a="http://schemas.openxmlformats.org/drawingml/2006/main" xmlns:r="http://schemas.openxmlformats.org/officeDocument/2006/relationships" xmlns:p="http://schemas.openxmlformats.org/presentationml/2006/main">
-  <p:cSld>
-    <p:spTree>
-      <p:nvGrpSpPr>
-        <p:cNvPr id="1" name=""/>
-        <p:cNvGrpSpPr/>
-        <p:nvPr/>
-      </p:nvGrpSpPr>
-      <p:grpSpPr>
-        <a:xfrm>
-          <a:off x="0" y="0"/>
-          <a:ext cx="0" cy="0"/>
-          <a:chOff x="0" y="0"/>
-          <a:chExt cx="0" cy="0"/>
-        </a:xfrm>
-      </p:grpSpPr>
-      <p:sp>
-        <p:nvSpPr>
-          <p:cNvPr id="2" name="Title 1"/>
-          <p:cNvSpPr>
-            <a:spLocks noGrp="1"/>
-          </p:cNvSpPr>
-          <p:nvPr>
-            <p:ph type="title"/>
-          </p:nvPr>
-        </p:nvSpPr>
-        <p:spPr/>
-        <p:txBody>
-          <a:bodyPr/>
-          <a:lstStyle/>
-          <a:p>
-            <a:r>
-              <a:rPr lang="en-US" dirty="0"/>
-              <a:t>References</a:t>
-            </a:r>
-          </a:p>
-        </p:txBody>
-      </p:sp>
-      <p:sp>
-        <p:nvSpPr>
-          <p:cNvPr id="3" name="Content Placeholder 2"/>
-          <p:cNvSpPr>
-            <a:spLocks noGrp="1"/>
-          </p:cNvSpPr>
-          <p:nvPr>
-            <p:ph idx="1"/>
-          </p:nvPr>
-        </p:nvSpPr>
-        <p:spPr/>
-        <p:txBody>
-          <a:bodyPr/>
-          <a:lstStyle/>
-          <a:p>
-            <a:r>
-              <a:rPr lang="en-US" dirty="0">
-                <a:hlinkClick r:id="rId2"/>
-              </a:rPr>
-              <a:t>http://butunclebob.com/ArticleS.UncleBob.PrinciplesOfOod</a:t>
-            </a:r>
-            <a:endParaRPr lang="en-US" dirty="0"/>
-          </a:p>
-          <a:p>
-            <a:r>
-              <a:rPr lang="en-US" dirty="0">
-                <a:hlinkClick r:id="rId3"/>
-              </a:rPr>
-              <a:t>http://lostechies.com/derickbailey/2009/02/11/solid-development-principles-in-motivational-pictures/</a:t>
-            </a:r>
-            <a:endParaRPr lang="en-US" dirty="0"/>
-          </a:p>
-          <a:p>
-            <a:r>
-              <a:rPr lang="en-US" dirty="0">
-                <a:hlinkClick r:id="rId4"/>
-              </a:rPr>
-              <a:t>http://bighugelabs.com/motivator.php</a:t>
-            </a:r>
-            <a:endParaRPr lang="en-US" dirty="0"/>
-          </a:p>
-          <a:p>
-            <a:r>
-              <a:rPr lang="en-US" i="1" dirty="0">
-                <a:hlinkClick r:id="rId5"/>
-              </a:rPr>
-              <a:t>http://www.developerdotstar.com/mag/bios/jack_reeves.html</a:t>
-            </a:r>
-            <a:endParaRPr lang="en-US" i="1" dirty="0"/>
-          </a:p>
-          <a:p>
-            <a:endParaRPr lang="en-US" dirty="0"/>
-          </a:p>
-          <a:p>
-            <a:endParaRPr lang="en-US" dirty="0"/>
-          </a:p>
-          <a:p>
-            <a:endParaRPr lang="en-US" dirty="0"/>
-          </a:p>
-        </p:txBody>
-      </p:sp>
-    </p:spTree>
-  </p:cSld>
-  <p:clrMapOvr>
-    <a:masterClrMapping/>
-  </p:clrMapOvr>
-</p:sld>
-</file>
-
-<file path=ppt/slides/slide88.xml><?xml version="1.0" encoding="utf-8"?>
-<p:sld xmlns:a="http://schemas.openxmlformats.org/drawingml/2006/main" xmlns:r="http://schemas.openxmlformats.org/officeDocument/2006/relationships" xmlns:p="http://schemas.openxmlformats.org/presentationml/2006/main">
-  <p:cSld>
-    <p:spTree>
-      <p:nvGrpSpPr>
-        <p:cNvPr id="1" name=""/>
-        <p:cNvGrpSpPr/>
-        <p:nvPr/>
-      </p:nvGrpSpPr>
-      <p:grpSpPr>
-        <a:xfrm>
-          <a:off x="0" y="0"/>
-          <a:ext cx="0" cy="0"/>
-          <a:chOff x="0" y="0"/>
-          <a:chExt cx="0" cy="0"/>
-        </a:xfrm>
-      </p:grpSpPr>
-      <p:sp>
-        <p:nvSpPr>
-          <p:cNvPr id="2" name="Title 1"/>
-          <p:cNvSpPr>
-            <a:spLocks noGrp="1"/>
-          </p:cNvSpPr>
-          <p:nvPr>
-            <p:ph type="title"/>
-          </p:nvPr>
-        </p:nvSpPr>
-        <p:spPr/>
-        <p:txBody>
-          <a:bodyPr/>
-          <a:lstStyle/>
-          <a:p>
-            <a:r>
-              <a:rPr lang="en-US" dirty="0"/>
-              <a:t>Ruby SOLID Principles</a:t>
-            </a:r>
-          </a:p>
-        </p:txBody>
-      </p:sp>
-      <p:sp>
-        <p:nvSpPr>
-          <p:cNvPr id="3" name="Content Placeholder 2"/>
-          <p:cNvSpPr>
-            <a:spLocks noGrp="1"/>
-          </p:cNvSpPr>
-          <p:nvPr>
-            <p:ph idx="1"/>
-          </p:nvPr>
-        </p:nvSpPr>
-        <p:spPr/>
-        <p:txBody>
-          <a:bodyPr/>
-          <a:lstStyle/>
-          <a:p>
-            <a:r>
-              <a:rPr lang="en-US" dirty="0">
-                <a:hlinkClick r:id="rId2"/>
-              </a:rPr>
-              <a:t>http://blip.tv/rubynation/jim-weirich-3672101</a:t>
-            </a:r>
-            <a:endParaRPr lang="en-US" dirty="0"/>
-          </a:p>
-          <a:p>
-            <a:r>
-              <a:rPr lang="en-US" dirty="0">
-                <a:hlinkClick r:id="rId3"/>
-              </a:rPr>
-              <a:t>http://www.confreaks.com/videos/240-goruco2009-solid-object-oriented-design</a:t>
-            </a:r>
-            <a:endParaRPr lang="en-US" dirty="0"/>
-          </a:p>
-          <a:p>
-            <a:endParaRPr lang="en-US" dirty="0"/>
-          </a:p>
-          <a:p>
-            <a:endParaRPr lang="en-US" dirty="0"/>
-          </a:p>
-        </p:txBody>
-      </p:sp>
-    </p:spTree>
-  </p:cSld>
-  <p:clrMapOvr>
-    <a:masterClrMapping/>
-  </p:clrMapOvr>
-</p:sld>
-</file>
-
-<file path=ppt/slides/slide89.xml><?xml version="1.0" encoding="utf-8"?>
 <p:sld xmlns:a="http://schemas.openxmlformats.org/drawingml/2006/main" xmlns:r="http://schemas.openxmlformats.org/officeDocument/2006/relationships" xmlns:p="http://schemas.openxmlformats.org/presentationml/2006/main">
   <p:cSld>
     <p:spTree>
